--- a/presentations/session_2/Redis Data Base.pptx
+++ b/presentations/session_2/Redis Data Base.pptx
@@ -140,6 +140,10 @@
 </p:presentation>
 </file>
 
+<file path=ppt/revisionInfo.xml><?xml version="1.0" encoding="utf-8"?>
+<p1510:revInfo xmlns:a="http://schemas.openxmlformats.org/drawingml/2006/main" xmlns:r="http://schemas.openxmlformats.org/officeDocument/2006/relationships" xmlns:p1510="http://schemas.microsoft.com/office/powerpoint/2015/10/main"/>
+</file>
+
 <file path=ppt/slideLayouts/slideLayout1.xml><?xml version="1.0" encoding="utf-8"?>
 <p:sldLayout xmlns:a="http://schemas.openxmlformats.org/drawingml/2006/main" xmlns:r="http://schemas.openxmlformats.org/officeDocument/2006/relationships" xmlns:p="http://schemas.openxmlformats.org/presentationml/2006/main" type="title" preserve="1">
   <p:cSld name="Title Slide">
@@ -287,7 +291,7 @@
           <a:p>
             <a:fld id="{8C22C25E-FA4A-4147-A951-79F1793DCAF7}" type="datetimeFigureOut">
               <a:rPr lang="en-US" smtClean="0"/>
-              <a:t>2/2/2018</a:t>
+              <a:t>2/5/2018</a:t>
             </a:fld>
             <a:endParaRPr lang="en-US"/>
           </a:p>
@@ -485,7 +489,7 @@
           <a:p>
             <a:fld id="{8C22C25E-FA4A-4147-A951-79F1793DCAF7}" type="datetimeFigureOut">
               <a:rPr lang="en-US" smtClean="0"/>
-              <a:t>2/2/2018</a:t>
+              <a:t>2/5/2018</a:t>
             </a:fld>
             <a:endParaRPr lang="en-US"/>
           </a:p>
@@ -693,7 +697,7 @@
           <a:p>
             <a:fld id="{8C22C25E-FA4A-4147-A951-79F1793DCAF7}" type="datetimeFigureOut">
               <a:rPr lang="en-US" smtClean="0"/>
-              <a:t>2/2/2018</a:t>
+              <a:t>2/5/2018</a:t>
             </a:fld>
             <a:endParaRPr lang="en-US"/>
           </a:p>
@@ -891,7 +895,7 @@
           <a:p>
             <a:fld id="{8C22C25E-FA4A-4147-A951-79F1793DCAF7}" type="datetimeFigureOut">
               <a:rPr lang="en-US" smtClean="0"/>
-              <a:t>2/2/2018</a:t>
+              <a:t>2/5/2018</a:t>
             </a:fld>
             <a:endParaRPr lang="en-US"/>
           </a:p>
@@ -1166,7 +1170,7 @@
           <a:p>
             <a:fld id="{8C22C25E-FA4A-4147-A951-79F1793DCAF7}" type="datetimeFigureOut">
               <a:rPr lang="en-US" smtClean="0"/>
-              <a:t>2/2/2018</a:t>
+              <a:t>2/5/2018</a:t>
             </a:fld>
             <a:endParaRPr lang="en-US"/>
           </a:p>
@@ -1431,7 +1435,7 @@
           <a:p>
             <a:fld id="{8C22C25E-FA4A-4147-A951-79F1793DCAF7}" type="datetimeFigureOut">
               <a:rPr lang="en-US" smtClean="0"/>
-              <a:t>2/2/2018</a:t>
+              <a:t>2/5/2018</a:t>
             </a:fld>
             <a:endParaRPr lang="en-US"/>
           </a:p>
@@ -1843,7 +1847,7 @@
           <a:p>
             <a:fld id="{8C22C25E-FA4A-4147-A951-79F1793DCAF7}" type="datetimeFigureOut">
               <a:rPr lang="en-US" smtClean="0"/>
-              <a:t>2/2/2018</a:t>
+              <a:t>2/5/2018</a:t>
             </a:fld>
             <a:endParaRPr lang="en-US"/>
           </a:p>
@@ -1984,7 +1988,7 @@
           <a:p>
             <a:fld id="{8C22C25E-FA4A-4147-A951-79F1793DCAF7}" type="datetimeFigureOut">
               <a:rPr lang="en-US" smtClean="0"/>
-              <a:t>2/2/2018</a:t>
+              <a:t>2/5/2018</a:t>
             </a:fld>
             <a:endParaRPr lang="en-US"/>
           </a:p>
@@ -2097,7 +2101,7 @@
           <a:p>
             <a:fld id="{8C22C25E-FA4A-4147-A951-79F1793DCAF7}" type="datetimeFigureOut">
               <a:rPr lang="en-US" smtClean="0"/>
-              <a:t>2/2/2018</a:t>
+              <a:t>2/5/2018</a:t>
             </a:fld>
             <a:endParaRPr lang="en-US"/>
           </a:p>
@@ -2408,7 +2412,7 @@
           <a:p>
             <a:fld id="{8C22C25E-FA4A-4147-A951-79F1793DCAF7}" type="datetimeFigureOut">
               <a:rPr lang="en-US" smtClean="0"/>
-              <a:t>2/2/2018</a:t>
+              <a:t>2/5/2018</a:t>
             </a:fld>
             <a:endParaRPr lang="en-US"/>
           </a:p>
@@ -2696,7 +2700,7 @@
           <a:p>
             <a:fld id="{8C22C25E-FA4A-4147-A951-79F1793DCAF7}" type="datetimeFigureOut">
               <a:rPr lang="en-US" smtClean="0"/>
-              <a:t>2/2/2018</a:t>
+              <a:t>2/5/2018</a:t>
             </a:fld>
             <a:endParaRPr lang="en-US"/>
           </a:p>
@@ -2937,7 +2941,7 @@
           <a:p>
             <a:fld id="{8C22C25E-FA4A-4147-A951-79F1793DCAF7}" type="datetimeFigureOut">
               <a:rPr lang="en-US" smtClean="0"/>
-              <a:t>2/2/2018</a:t>
+              <a:t>2/5/2018</a:t>
             </a:fld>
             <a:endParaRPr lang="en-US"/>
           </a:p>
@@ -4935,7 +4939,7 @@
           <a:p>
             <a:pPr lvl="1"/>
             <a:r>
-              <a:rPr lang="en-US" dirty="0"/>
+              <a:rPr lang="en-US" b="1" dirty="0"/>
               <a:t>LPUSH key value</a:t>
             </a:r>
           </a:p>
@@ -4948,7 +4952,7 @@
           <a:p>
             <a:pPr lvl="1"/>
             <a:r>
-              <a:rPr lang="en-US" dirty="0"/>
+              <a:rPr lang="en-US" b="1" dirty="0"/>
               <a:t>LTRIM key 0 &lt;array limit&gt;</a:t>
             </a:r>
           </a:p>
@@ -5025,7 +5029,7 @@
           <a:p>
             <a:pPr lvl="1"/>
             <a:r>
-              <a:rPr lang="en-US" dirty="0"/>
+              <a:rPr lang="en-US" b="1" dirty="0"/>
               <a:t>LRANGE key 0 -1</a:t>
             </a:r>
           </a:p>
@@ -5175,22 +5179,22 @@
           <a:p>
             <a:pPr lvl="1"/>
             <a:r>
-              <a:rPr lang="en-US" dirty="0"/>
+              <a:rPr lang="en-US" b="1" dirty="0"/>
               <a:t>XADD key id MAXLEN ~ 1000 key1 value … </a:t>
             </a:r>
             <a:r>
-              <a:rPr lang="en-US" dirty="0" err="1"/>
+              <a:rPr lang="en-US" b="1" dirty="0" err="1"/>
               <a:t>keyn</a:t>
             </a:r>
             <a:r>
-              <a:rPr lang="en-US" dirty="0"/>
+              <a:rPr lang="en-US" b="1" dirty="0"/>
               <a:t> </a:t>
             </a:r>
             <a:r>
-              <a:rPr lang="en-US" dirty="0" err="1"/>
+              <a:rPr lang="en-US" b="1" dirty="0" err="1"/>
               <a:t>valuen</a:t>
             </a:r>
-            <a:endParaRPr lang="en-US" dirty="0"/>
+            <a:endParaRPr lang="en-US" b="1" dirty="0"/>
           </a:p>
           <a:p>
             <a:pPr lvl="1"/>
@@ -5288,23 +5292,23 @@
           <a:p>
             <a:pPr lvl="1"/>
             <a:r>
-              <a:rPr lang="en-US" dirty="0"/>
+              <a:rPr lang="en-US" b="1" dirty="0"/>
               <a:t>XRANGE key </a:t>
             </a:r>
             <a:r>
-              <a:rPr lang="en-US" dirty="0" err="1"/>
+              <a:rPr lang="en-US" b="1" dirty="0" err="1"/>
               <a:t>starting_timestamp</a:t>
             </a:r>
             <a:r>
-              <a:rPr lang="en-US" dirty="0"/>
+              <a:rPr lang="en-US" b="1" dirty="0"/>
               <a:t>, </a:t>
             </a:r>
             <a:r>
-              <a:rPr lang="en-US" dirty="0" err="1"/>
+              <a:rPr lang="en-US" b="1" dirty="0" err="1"/>
               <a:t>ending_timestamp</a:t>
             </a:r>
             <a:r>
-              <a:rPr lang="en-US" dirty="0"/>
+              <a:rPr lang="en-US" b="1" dirty="0"/>
               <a:t> COUNT 1000</a:t>
             </a:r>
           </a:p>
@@ -8978,6 +8982,13 @@
             <a:pPr lvl="3"/>
             <a:r>
               <a:rPr lang="en-US" dirty="0"/>
+              <a:t>Enterprise version can use flash disk</a:t>
+            </a:r>
+          </a:p>
+          <a:p>
+            <a:pPr lvl="3"/>
+            <a:r>
+              <a:rPr lang="en-US" dirty="0"/>
               <a:t>This is not a problem for most IOT Gateway Devices.</a:t>
             </a:r>
           </a:p>
@@ -8985,7 +8996,14 @@
             <a:pPr lvl="2"/>
             <a:r>
               <a:rPr lang="en-US" dirty="0"/>
-              <a:t>Data is stored to disk in a periodic manner ( less than a second )</a:t>
+              <a:t>Data is stored to disk in a periodic manner </a:t>
+            </a:r>
+          </a:p>
+          <a:p>
+            <a:pPr lvl="3"/>
+            <a:r>
+              <a:rPr lang="en-US" dirty="0"/>
+              <a:t>Time period can be controlled</a:t>
             </a:r>
           </a:p>
           <a:p>
@@ -9442,6 +9460,13 @@
             <a:pPr lvl="1"/>
             <a:r>
               <a:rPr lang="en-US" dirty="0"/>
+              <a:t>A simple object in a SQL data base requires a table</a:t>
+            </a:r>
+          </a:p>
+          <a:p>
+            <a:pPr lvl="1"/>
+            <a:r>
+              <a:rPr lang="en-US" dirty="0"/>
               <a:t>The closest form of table is a list.</a:t>
             </a:r>
           </a:p>
@@ -9585,6 +9610,12 @@
             <a:r>
               <a:rPr lang="en-US" dirty="0"/>
               <a:t>.</a:t>
+            </a:r>
+          </a:p>
+          <a:p>
+            <a:r>
+              <a:rPr lang="en-US" dirty="0"/>
+              <a:t>The module actually stores data in a SQLite file.</a:t>
             </a:r>
           </a:p>
           <a:p>
